--- a/docs/Project_Presentation.pptx
+++ b/docs/Project_Presentation.pptx
@@ -7,12 +7,12 @@
   <p:sldIdLst>
     <p:sldId id="256" r:id="rId2"/>
     <p:sldId id="257" r:id="rId3"/>
-    <p:sldId id="258" r:id="rId4"/>
-    <p:sldId id="259" r:id="rId5"/>
-    <p:sldId id="260" r:id="rId6"/>
-    <p:sldId id="261" r:id="rId7"/>
-    <p:sldId id="262" r:id="rId8"/>
-    <p:sldId id="264" r:id="rId9"/>
+    <p:sldId id="264" r:id="rId4"/>
+    <p:sldId id="258" r:id="rId5"/>
+    <p:sldId id="259" r:id="rId6"/>
+    <p:sldId id="260" r:id="rId7"/>
+    <p:sldId id="261" r:id="rId8"/>
+    <p:sldId id="262" r:id="rId9"/>
   </p:sldIdLst>
   <p:sldSz cx="12192000" cy="6858000"/>
   <p:notesSz cx="6858000" cy="9144000"/>
@@ -111,6 +111,11 @@
       </a:defRPr>
     </a:lvl9pPr>
   </p:defaultTextStyle>
+  <p:extLst>
+    <p:ext uri="{EFAFB233-063F-42B5-8137-9DF3F51BA10A}">
+      <p15:sldGuideLst xmlns:p15="http://schemas.microsoft.com/office/powerpoint/2012/main"/>
+    </p:ext>
+  </p:extLst>
 </p:presentation>
 </file>
 
@@ -267,7 +272,7 @@
           <a:p>
             <a:fld id="{79C5A860-F335-4252-AA00-24FB67ED2982}" type="datetime1">
               <a:rPr lang="en-US" smtClean="0"/>
-              <a:t>12/27/2024</a:t>
+              <a:t>12/30/2024</a:t>
             </a:fld>
             <a:endParaRPr lang="en-US"/>
           </a:p>
@@ -466,7 +471,7 @@
           <a:p>
             <a:fld id="{46AB1048-0047-48CA-88BA-D69B470942CF}" type="datetime1">
               <a:rPr lang="en-US" smtClean="0"/>
-              <a:t>12/27/2024</a:t>
+              <a:t>12/30/2024</a:t>
             </a:fld>
             <a:endParaRPr lang="en-US"/>
           </a:p>
@@ -676,7 +681,7 @@
           <a:p>
             <a:fld id="{5BD83879-648C-49A9-81A2-0EF5946532D0}" type="datetime1">
               <a:rPr lang="en-US" smtClean="0"/>
-              <a:t>12/27/2024</a:t>
+              <a:t>12/30/2024</a:t>
             </a:fld>
             <a:endParaRPr lang="en-US"/>
           </a:p>
@@ -874,7 +879,7 @@
           <a:p>
             <a:fld id="{D04BC802-30E3-4658-9CCA-F873646FEC67}" type="datetime1">
               <a:rPr lang="en-US" smtClean="0"/>
-              <a:t>12/27/2024</a:t>
+              <a:t>12/30/2024</a:t>
             </a:fld>
             <a:endParaRPr lang="en-US"/>
           </a:p>
@@ -1152,7 +1157,7 @@
           <a:p>
             <a:fld id="{0AB227A3-19CE-4153-81CE-64EB7AB094B3}" type="datetime1">
               <a:rPr lang="en-US" smtClean="0"/>
-              <a:t>12/27/2024</a:t>
+              <a:t>12/30/2024</a:t>
             </a:fld>
             <a:endParaRPr lang="en-US"/>
           </a:p>
@@ -1419,7 +1424,7 @@
           <a:p>
             <a:fld id="{B819A100-10F6-477E-8847-29D479EF1C92}" type="datetime1">
               <a:rPr lang="en-US" smtClean="0"/>
-              <a:t>12/27/2024</a:t>
+              <a:t>12/30/2024</a:t>
             </a:fld>
             <a:endParaRPr lang="en-US"/>
           </a:p>
@@ -1833,7 +1838,7 @@
           <a:p>
             <a:fld id="{5DF128AB-198A-495F-8475-FDB360C9873F}" type="datetime1">
               <a:rPr lang="en-US" smtClean="0"/>
-              <a:t>12/27/2024</a:t>
+              <a:t>12/30/2024</a:t>
             </a:fld>
             <a:endParaRPr lang="en-US"/>
           </a:p>
@@ -1974,7 +1979,7 @@
           <a:p>
             <a:fld id="{021A235E-F8FD-479F-9FC7-18BE84110877}" type="datetime1">
               <a:rPr lang="en-US" smtClean="0"/>
-              <a:t>12/27/2024</a:t>
+              <a:t>12/30/2024</a:t>
             </a:fld>
             <a:endParaRPr lang="en-US"/>
           </a:p>
@@ -2087,7 +2092,7 @@
           <a:p>
             <a:fld id="{E890F09B-68DA-462E-9DB4-4C9ADAB8CBCC}" type="datetime1">
               <a:rPr lang="en-US" smtClean="0"/>
-              <a:t>12/27/2024</a:t>
+              <a:t>12/30/2024</a:t>
             </a:fld>
             <a:endParaRPr lang="en-US"/>
           </a:p>
@@ -2406,7 +2411,7 @@
           <a:p>
             <a:fld id="{17AC4E36-FABE-47EB-AA7F-C19A93824617}" type="datetime1">
               <a:rPr lang="en-US" smtClean="0"/>
-              <a:t>12/27/2024</a:t>
+              <a:t>12/30/2024</a:t>
             </a:fld>
             <a:endParaRPr lang="en-US"/>
           </a:p>
@@ -2703,7 +2708,7 @@
           <a:p>
             <a:fld id="{F199CE6B-5DE6-4A2D-B72E-5E8969F9F56F}" type="datetime1">
               <a:rPr lang="en-US" smtClean="0"/>
-              <a:t>12/27/2024</a:t>
+              <a:t>12/30/2024</a:t>
             </a:fld>
             <a:endParaRPr lang="en-US"/>
           </a:p>
@@ -3561,7 +3566,7 @@
           <a:p>
             <a:fld id="{F481A142-DA77-4A5F-AD1F-14E6C18F0F5F}" type="datetime1">
               <a:rPr lang="en-US" smtClean="0"/>
-              <a:t>12/27/2024</a:t>
+              <a:t>12/30/2024</a:t>
             </a:fld>
             <a:endParaRPr lang="en-US" dirty="0"/>
           </a:p>
@@ -5338,6 +5343,994 @@
 <file path=ppt/slides/slide3.xml><?xml version="1.0" encoding="utf-8"?>
 <p:sld xmlns:a="http://schemas.openxmlformats.org/drawingml/2006/main" xmlns:r="http://schemas.openxmlformats.org/officeDocument/2006/relationships" xmlns:p="http://schemas.openxmlformats.org/presentationml/2006/main">
   <p:cSld>
+    <p:spTree>
+      <p:nvGrpSpPr>
+        <p:cNvPr id="1" name=""/>
+        <p:cNvGrpSpPr/>
+        <p:nvPr/>
+      </p:nvGrpSpPr>
+      <p:grpSpPr>
+        <a:xfrm>
+          <a:off x="0" y="0"/>
+          <a:ext cx="0" cy="0"/>
+          <a:chOff x="0" y="0"/>
+          <a:chExt cx="0" cy="0"/>
+        </a:xfrm>
+      </p:grpSpPr>
+      <p:sp>
+        <p:nvSpPr>
+          <p:cNvPr id="2" name="Title 1">
+            <a:extLst>
+              <a:ext uri="{FF2B5EF4-FFF2-40B4-BE49-F238E27FC236}">
+                <a16:creationId xmlns:a16="http://schemas.microsoft.com/office/drawing/2014/main" id="{D4405892-682F-E4EA-B5AE-D2BEE64DB866}"/>
+              </a:ext>
+            </a:extLst>
+          </p:cNvPr>
+          <p:cNvSpPr>
+            <a:spLocks noGrp="1"/>
+          </p:cNvSpPr>
+          <p:nvPr>
+            <p:ph type="title"/>
+          </p:nvPr>
+        </p:nvSpPr>
+        <p:spPr>
+          <a:xfrm>
+            <a:off x="6693408" y="365759"/>
+            <a:ext cx="5330951" cy="3063241"/>
+          </a:xfrm>
+        </p:spPr>
+        <p:txBody>
+          <a:bodyPr>
+            <a:normAutofit/>
+          </a:bodyPr>
+          <a:lstStyle/>
+          <a:p>
+            <a:r>
+              <a:rPr lang="en-US" sz="1600" dirty="0"/>
+              <a:t>Frontend</a:t>
+            </a:r>
+            <a:br>
+              <a:rPr lang="en-US" sz="1600" dirty="0"/>
+            </a:br>
+            <a:br>
+              <a:rPr lang="en-US" sz="1600" dirty="0"/>
+            </a:br>
+            <a:r>
+              <a:rPr lang="en-US" sz="1600" dirty="0"/>
+              <a:t>1. UI </a:t>
+            </a:r>
+            <a:r>
+              <a:rPr lang="en-US" sz="1600" dirty="0" err="1"/>
+              <a:t>bileşenleri</a:t>
+            </a:r>
+            <a:r>
+              <a:rPr lang="en-US" sz="1600" dirty="0"/>
+              <a:t> </a:t>
+            </a:r>
+            <a:r>
+              <a:rPr lang="en-US" sz="1600" dirty="0" err="1"/>
+              <a:t>için</a:t>
+            </a:r>
+            <a:r>
+              <a:rPr lang="en-US" sz="1600" dirty="0"/>
+              <a:t> React/Vite/</a:t>
+            </a:r>
+            <a:r>
+              <a:rPr lang="en-US" sz="1600" dirty="0" err="1"/>
+              <a:t>TailSwindCSS</a:t>
+            </a:r>
+            <a:br>
+              <a:rPr lang="en-US" sz="1600" dirty="0"/>
+            </a:br>
+            <a:br>
+              <a:rPr lang="en-US" sz="1600" dirty="0"/>
+            </a:br>
+            <a:r>
+              <a:rPr lang="en-US" sz="1600" dirty="0"/>
+              <a:t>2.Giriş/</a:t>
+            </a:r>
+            <a:r>
+              <a:rPr lang="en-US" sz="1600" dirty="0" err="1"/>
+              <a:t>kayıt</a:t>
+            </a:r>
+            <a:r>
+              <a:rPr lang="en-US" sz="1600" dirty="0"/>
+              <a:t> </a:t>
+            </a:r>
+            <a:r>
+              <a:rPr lang="en-US" sz="1600" dirty="0" err="1"/>
+              <a:t>için</a:t>
+            </a:r>
+            <a:r>
+              <a:rPr lang="en-US" sz="1600" dirty="0"/>
+              <a:t> form </a:t>
+            </a:r>
+            <a:r>
+              <a:rPr lang="en-US" sz="1600" dirty="0" err="1"/>
+              <a:t>doğrulaması</a:t>
+            </a:r>
+            <a:br>
+              <a:rPr lang="en-US" sz="1600" dirty="0"/>
+            </a:br>
+            <a:br>
+              <a:rPr lang="en-US" sz="1600" dirty="0"/>
+            </a:br>
+            <a:r>
+              <a:rPr lang="en-US" sz="1600" dirty="0"/>
+              <a:t>3.Gerçek </a:t>
+            </a:r>
+            <a:r>
+              <a:rPr lang="en-US" sz="1600" dirty="0" err="1"/>
+              <a:t>zamanlı</a:t>
+            </a:r>
+            <a:r>
+              <a:rPr lang="en-US" sz="1600" dirty="0"/>
+              <a:t> durum </a:t>
+            </a:r>
+            <a:r>
+              <a:rPr lang="en-US" sz="1600" dirty="0" err="1"/>
+              <a:t>göstergeleri</a:t>
+            </a:r>
+            <a:r>
+              <a:rPr lang="en-US" sz="1600" dirty="0"/>
+              <a:t> (online/offline)</a:t>
+            </a:r>
+            <a:br>
+              <a:rPr lang="en-US" sz="1600" dirty="0"/>
+            </a:br>
+            <a:br>
+              <a:rPr lang="en-US" sz="1600" dirty="0"/>
+            </a:br>
+            <a:r>
+              <a:rPr lang="en-US" sz="1600" dirty="0"/>
+              <a:t>4.Cloudinary </a:t>
+            </a:r>
+            <a:r>
+              <a:rPr lang="en-US" sz="1600" dirty="0" err="1"/>
+              <a:t>üzerinden</a:t>
+            </a:r>
+            <a:r>
+              <a:rPr lang="en-US" sz="1600" dirty="0"/>
+              <a:t> </a:t>
+            </a:r>
+            <a:r>
+              <a:rPr lang="en-US" sz="1600" dirty="0" err="1"/>
+              <a:t>resim</a:t>
+            </a:r>
+            <a:r>
+              <a:rPr lang="en-US" sz="1600" dirty="0"/>
+              <a:t> </a:t>
+            </a:r>
+            <a:r>
+              <a:rPr lang="en-US" sz="1600" dirty="0" err="1"/>
+              <a:t>yükleme</a:t>
+            </a:r>
+            <a:r>
+              <a:rPr lang="en-US" sz="1600" dirty="0"/>
+              <a:t>/</a:t>
+            </a:r>
+            <a:r>
+              <a:rPr lang="en-US" sz="1600" dirty="0" err="1"/>
+              <a:t>görüntüleme</a:t>
+            </a:r>
+            <a:br>
+              <a:rPr lang="en-US" sz="1600" dirty="0"/>
+            </a:br>
+            <a:br>
+              <a:rPr lang="en-US" sz="1600" dirty="0"/>
+            </a:br>
+            <a:r>
+              <a:rPr lang="en-US" sz="1600" dirty="0"/>
+              <a:t>5.Özel/</a:t>
+            </a:r>
+            <a:r>
+              <a:rPr lang="en-US" sz="1600" dirty="0" err="1"/>
+              <a:t>grup</a:t>
+            </a:r>
+            <a:r>
+              <a:rPr lang="en-US" sz="1600" dirty="0"/>
+              <a:t>/</a:t>
+            </a:r>
+            <a:r>
+              <a:rPr lang="en-US" sz="1600" dirty="0" err="1"/>
+              <a:t>yayın</a:t>
+            </a:r>
+            <a:r>
+              <a:rPr lang="en-US" sz="1600" dirty="0"/>
+              <a:t> </a:t>
+            </a:r>
+            <a:r>
+              <a:rPr lang="en-US" sz="1600" dirty="0" err="1"/>
+              <a:t>mesajları</a:t>
+            </a:r>
+            <a:r>
+              <a:rPr lang="en-US" sz="1600" dirty="0"/>
+              <a:t> </a:t>
+            </a:r>
+            <a:r>
+              <a:rPr lang="en-US" sz="1600" dirty="0" err="1"/>
+              <a:t>için</a:t>
+            </a:r>
+            <a:r>
+              <a:rPr lang="en-US" sz="1600" dirty="0"/>
+              <a:t> </a:t>
+            </a:r>
+            <a:r>
+              <a:rPr lang="en-US" sz="1600" dirty="0" err="1"/>
+              <a:t>sohbet</a:t>
+            </a:r>
+            <a:r>
+              <a:rPr lang="en-US" sz="1600" dirty="0"/>
+              <a:t> </a:t>
+            </a:r>
+            <a:r>
+              <a:rPr lang="en-US" sz="1600" dirty="0" err="1"/>
+              <a:t>arayüzü</a:t>
+            </a:r>
+            <a:endParaRPr lang="en-US" sz="1600" dirty="0"/>
+          </a:p>
+        </p:txBody>
+      </p:sp>
+      <p:sp>
+        <p:nvSpPr>
+          <p:cNvPr id="3" name="Picture Placeholder 2">
+            <a:extLst>
+              <a:ext uri="{FF2B5EF4-FFF2-40B4-BE49-F238E27FC236}">
+                <a16:creationId xmlns:a16="http://schemas.microsoft.com/office/drawing/2014/main" id="{740FC663-3BE8-5F37-BD02-E5B13383E5A4}"/>
+              </a:ext>
+            </a:extLst>
+          </p:cNvPr>
+          <p:cNvSpPr>
+            <a:spLocks noGrp="1"/>
+          </p:cNvSpPr>
+          <p:nvPr>
+            <p:ph type="pic" idx="1"/>
+          </p:nvPr>
+        </p:nvSpPr>
+        <p:spPr>
+          <a:xfrm>
+            <a:off x="264878" y="365759"/>
+            <a:ext cx="5941611" cy="6103621"/>
+          </a:xfrm>
+        </p:spPr>
+        <p:txBody>
+          <a:bodyPr>
+            <a:normAutofit/>
+          </a:bodyPr>
+          <a:lstStyle/>
+          <a:p>
+            <a:r>
+              <a:rPr lang="en-US" sz="2600" dirty="0"/>
+              <a:t>Bu </a:t>
+            </a:r>
+            <a:r>
+              <a:rPr lang="en-US" sz="2600" dirty="0" err="1"/>
+              <a:t>sohbet</a:t>
+            </a:r>
+            <a:r>
+              <a:rPr lang="en-US" sz="2600" dirty="0"/>
+              <a:t> </a:t>
+            </a:r>
+            <a:r>
+              <a:rPr lang="en-US" sz="2600" dirty="0" err="1"/>
+              <a:t>uygulaması</a:t>
+            </a:r>
+            <a:r>
+              <a:rPr lang="en-US" sz="2600" dirty="0"/>
+              <a:t>, </a:t>
+            </a:r>
+            <a:r>
+              <a:rPr lang="en-US" sz="2600" dirty="0" err="1"/>
+              <a:t>Cloudinary</a:t>
+            </a:r>
+            <a:r>
+              <a:rPr lang="en-US" sz="2600" dirty="0"/>
+              <a:t> </a:t>
+            </a:r>
+            <a:r>
+              <a:rPr lang="en-US" sz="2600" dirty="0" err="1"/>
+              <a:t>aracılığıyla</a:t>
+            </a:r>
+            <a:r>
+              <a:rPr lang="en-US" sz="2600" dirty="0"/>
+              <a:t> </a:t>
+            </a:r>
+            <a:r>
+              <a:rPr lang="en-US" sz="2600" dirty="0" err="1"/>
+              <a:t>kullanıcı</a:t>
+            </a:r>
+            <a:r>
+              <a:rPr lang="en-US" sz="2600" dirty="0"/>
+              <a:t> </a:t>
+            </a:r>
+            <a:r>
+              <a:rPr lang="en-US" sz="2600" dirty="0" err="1"/>
+              <a:t>etkileşimi</a:t>
+            </a:r>
+            <a:r>
+              <a:rPr lang="en-US" sz="2600" dirty="0"/>
+              <a:t> </a:t>
+            </a:r>
+            <a:r>
+              <a:rPr lang="en-US" sz="2600" dirty="0" err="1"/>
+              <a:t>ve</a:t>
+            </a:r>
+            <a:r>
+              <a:rPr lang="en-US" sz="2600" dirty="0"/>
+              <a:t> </a:t>
+            </a:r>
+            <a:r>
+              <a:rPr lang="en-US" sz="2600" dirty="0" err="1"/>
+              <a:t>medya</a:t>
+            </a:r>
+            <a:r>
+              <a:rPr lang="en-US" sz="2600" dirty="0"/>
+              <a:t> </a:t>
+            </a:r>
+            <a:r>
+              <a:rPr lang="en-US" sz="2600" dirty="0" err="1"/>
+              <a:t>işleme</a:t>
+            </a:r>
+            <a:r>
+              <a:rPr lang="en-US" sz="2600" dirty="0"/>
+              <a:t> </a:t>
+            </a:r>
+            <a:r>
+              <a:rPr lang="en-US" sz="2600" dirty="0" err="1"/>
+              <a:t>için</a:t>
+            </a:r>
+            <a:r>
+              <a:rPr lang="en-US" sz="2600" dirty="0"/>
+              <a:t> React/</a:t>
+            </a:r>
+            <a:r>
+              <a:rPr lang="en-US" sz="2600" dirty="0" err="1"/>
+              <a:t>vite</a:t>
+            </a:r>
+            <a:r>
+              <a:rPr lang="en-US" sz="2600" dirty="0"/>
+              <a:t> </a:t>
+            </a:r>
+          </a:p>
+          <a:p>
+            <a:r>
+              <a:rPr lang="en-US" sz="2600" dirty="0"/>
+              <a:t>Front-end </a:t>
+            </a:r>
+            <a:r>
+              <a:rPr lang="en-US" sz="2600" dirty="0" err="1"/>
+              <a:t>sahipken</a:t>
+            </a:r>
+            <a:r>
+              <a:rPr lang="en-US" sz="2600" dirty="0"/>
+              <a:t>, </a:t>
+            </a:r>
+          </a:p>
+          <a:p>
+            <a:r>
+              <a:rPr lang="en-US" sz="2600" dirty="0"/>
+              <a:t>Express Backe-end ,Socket.io </a:t>
+            </a:r>
+            <a:r>
+              <a:rPr lang="en-US" sz="2600" dirty="0" err="1"/>
+              <a:t>aracılığıyla</a:t>
+            </a:r>
+            <a:r>
+              <a:rPr lang="en-US" sz="2600" dirty="0"/>
+              <a:t> </a:t>
+            </a:r>
+            <a:r>
+              <a:rPr lang="en-US" sz="2600" dirty="0" err="1"/>
+              <a:t>gerçek</a:t>
+            </a:r>
+            <a:r>
+              <a:rPr lang="en-US" sz="2600" dirty="0"/>
+              <a:t> </a:t>
+            </a:r>
+            <a:r>
+              <a:rPr lang="en-US" sz="2600" dirty="0" err="1"/>
+              <a:t>zamanlı</a:t>
+            </a:r>
+            <a:r>
+              <a:rPr lang="en-US" sz="2600" dirty="0"/>
+              <a:t> </a:t>
+            </a:r>
+            <a:r>
+              <a:rPr lang="en-US" sz="2600" dirty="0" err="1"/>
+              <a:t>iletişimi</a:t>
+            </a:r>
+            <a:r>
+              <a:rPr lang="en-US" sz="2600" dirty="0"/>
+              <a:t> </a:t>
+            </a:r>
+            <a:r>
+              <a:rPr lang="en-US" sz="2600" dirty="0" err="1"/>
+              <a:t>yönetir</a:t>
+            </a:r>
+            <a:r>
+              <a:rPr lang="en-US" sz="2600" dirty="0"/>
+              <a:t>. </a:t>
+            </a:r>
+            <a:r>
+              <a:rPr lang="en-US" sz="2600" dirty="0" err="1"/>
+              <a:t>Güvenlik</a:t>
+            </a:r>
+            <a:r>
+              <a:rPr lang="en-US" sz="2600" dirty="0"/>
+              <a:t>, </a:t>
+            </a:r>
+            <a:r>
+              <a:rPr lang="en-US" sz="2600" dirty="0" err="1"/>
+              <a:t>mesajlar</a:t>
+            </a:r>
+            <a:r>
+              <a:rPr lang="en-US" sz="2600" dirty="0"/>
+              <a:t> </a:t>
+            </a:r>
+            <a:r>
+              <a:rPr lang="en-US" sz="2600" dirty="0" err="1"/>
+              <a:t>için</a:t>
+            </a:r>
+            <a:r>
+              <a:rPr lang="en-US" sz="2600" dirty="0"/>
+              <a:t> RSA </a:t>
+            </a:r>
+            <a:r>
+              <a:rPr lang="en-US" sz="2600" dirty="0" err="1"/>
+              <a:t>şifrelemesi</a:t>
+            </a:r>
+            <a:r>
+              <a:rPr lang="en-US" sz="2600" dirty="0"/>
+              <a:t>, </a:t>
+            </a:r>
+            <a:r>
+              <a:rPr lang="en-US" sz="2600" dirty="0" err="1"/>
+              <a:t>kimlik</a:t>
+            </a:r>
+            <a:r>
+              <a:rPr lang="en-US" sz="2600" dirty="0"/>
+              <a:t> </a:t>
+            </a:r>
+            <a:r>
+              <a:rPr lang="en-US" sz="2600" dirty="0" err="1"/>
+              <a:t>doğrulama</a:t>
+            </a:r>
+            <a:r>
+              <a:rPr lang="en-US" sz="2600" dirty="0"/>
+              <a:t> </a:t>
+            </a:r>
+            <a:r>
+              <a:rPr lang="en-US" sz="2600" dirty="0" err="1"/>
+              <a:t>için</a:t>
+            </a:r>
+            <a:r>
+              <a:rPr lang="en-US" sz="2600" dirty="0"/>
+              <a:t> JWT </a:t>
+            </a:r>
+            <a:r>
+              <a:rPr lang="en-US" sz="2600" dirty="0" err="1"/>
+              <a:t>ve</a:t>
+            </a:r>
+            <a:r>
+              <a:rPr lang="en-US" sz="2600" dirty="0"/>
+              <a:t> </a:t>
+            </a:r>
+            <a:r>
+              <a:rPr lang="en-US" sz="2600" dirty="0" err="1"/>
+              <a:t>güvenli</a:t>
+            </a:r>
+            <a:r>
+              <a:rPr lang="en-US" sz="2600" dirty="0"/>
+              <a:t> </a:t>
+            </a:r>
+            <a:r>
+              <a:rPr lang="en-US" sz="2600" dirty="0" err="1"/>
+              <a:t>veritabanı</a:t>
+            </a:r>
+            <a:r>
+              <a:rPr lang="en-US" sz="2600" dirty="0"/>
+              <a:t> </a:t>
+            </a:r>
+            <a:r>
+              <a:rPr lang="en-US" sz="2600" dirty="0" err="1"/>
+              <a:t>depolaması</a:t>
+            </a:r>
+            <a:r>
+              <a:rPr lang="en-US" sz="2600" dirty="0"/>
+              <a:t> ile </a:t>
+            </a:r>
+            <a:r>
+              <a:rPr lang="en-US" sz="2600" dirty="0" err="1"/>
+              <a:t>sağlanır</a:t>
+            </a:r>
+            <a:r>
+              <a:rPr lang="en-US" sz="2600" dirty="0"/>
+              <a:t> </a:t>
+            </a:r>
+            <a:r>
+              <a:rPr lang="en-US" sz="2600" dirty="0" err="1"/>
+              <a:t>ve</a:t>
+            </a:r>
+            <a:r>
+              <a:rPr lang="en-US" sz="2600" dirty="0"/>
+              <a:t> </a:t>
+            </a:r>
+            <a:r>
+              <a:rPr lang="en-US" sz="2600" dirty="0" err="1"/>
+              <a:t>kullanıcıların</a:t>
+            </a:r>
+            <a:r>
+              <a:rPr lang="en-US" sz="2600" dirty="0"/>
+              <a:t> </a:t>
+            </a:r>
+            <a:r>
+              <a:rPr lang="en-US" sz="2600" dirty="0" err="1"/>
+              <a:t>çevrimiçi</a:t>
+            </a:r>
+            <a:r>
+              <a:rPr lang="en-US" sz="2600" dirty="0"/>
+              <a:t> durum </a:t>
+            </a:r>
+            <a:r>
+              <a:rPr lang="en-US" sz="2600" dirty="0" err="1"/>
+              <a:t>ve</a:t>
+            </a:r>
+            <a:r>
+              <a:rPr lang="en-US" sz="2600" dirty="0"/>
+              <a:t> </a:t>
+            </a:r>
+            <a:r>
+              <a:rPr lang="en-US" sz="2600" dirty="0" err="1"/>
+              <a:t>dosya</a:t>
+            </a:r>
+            <a:r>
+              <a:rPr lang="en-US" sz="2600" dirty="0"/>
+              <a:t> </a:t>
+            </a:r>
+            <a:r>
+              <a:rPr lang="en-US" sz="2600" dirty="0" err="1"/>
+              <a:t>paylaşımı</a:t>
+            </a:r>
+            <a:r>
+              <a:rPr lang="en-US" sz="2600" dirty="0"/>
+              <a:t> </a:t>
+            </a:r>
+            <a:r>
+              <a:rPr lang="en-US" sz="2600" dirty="0" err="1"/>
+              <a:t>gibi</a:t>
+            </a:r>
+            <a:r>
+              <a:rPr lang="en-US" sz="2600" dirty="0"/>
+              <a:t> </a:t>
+            </a:r>
+            <a:r>
+              <a:rPr lang="en-US" sz="2600" dirty="0" err="1"/>
+              <a:t>özelliklerle</a:t>
+            </a:r>
+            <a:r>
+              <a:rPr lang="en-US" sz="2600" dirty="0"/>
+              <a:t> </a:t>
+            </a:r>
+            <a:r>
+              <a:rPr lang="en-US" sz="2600" dirty="0" err="1"/>
+              <a:t>özel</a:t>
+            </a:r>
+            <a:r>
+              <a:rPr lang="en-US" sz="2600" dirty="0"/>
+              <a:t>, </a:t>
+            </a:r>
+            <a:r>
+              <a:rPr lang="en-US" sz="2600" dirty="0" err="1"/>
+              <a:t>grup</a:t>
+            </a:r>
+            <a:r>
+              <a:rPr lang="en-US" sz="2600" dirty="0"/>
+              <a:t> </a:t>
+            </a:r>
+            <a:r>
+              <a:rPr lang="en-US" sz="2600" dirty="0" err="1"/>
+              <a:t>ve</a:t>
+            </a:r>
+            <a:r>
+              <a:rPr lang="en-US" sz="2600" dirty="0"/>
+              <a:t> </a:t>
+            </a:r>
+            <a:r>
+              <a:rPr lang="en-US" sz="2600" dirty="0" err="1"/>
+              <a:t>yayın</a:t>
+            </a:r>
+            <a:r>
+              <a:rPr lang="en-US" sz="2600" dirty="0"/>
+              <a:t> </a:t>
+            </a:r>
+            <a:r>
+              <a:rPr lang="en-US" sz="2600" dirty="0" err="1"/>
+              <a:t>mesajlaşmasına</a:t>
+            </a:r>
+            <a:r>
+              <a:rPr lang="en-US" sz="2600" dirty="0"/>
+              <a:t> </a:t>
+            </a:r>
+            <a:r>
+              <a:rPr lang="en-US" sz="2600" dirty="0" err="1"/>
+              <a:t>katılmalarını</a:t>
+            </a:r>
+            <a:r>
+              <a:rPr lang="en-US" sz="2600" dirty="0"/>
+              <a:t> </a:t>
+            </a:r>
+            <a:r>
+              <a:rPr lang="en-US" sz="2600" dirty="0" err="1"/>
+              <a:t>sağlar</a:t>
+            </a:r>
+            <a:r>
+              <a:rPr lang="en-US" sz="2600" dirty="0"/>
+              <a:t>.</a:t>
+            </a:r>
+          </a:p>
+        </p:txBody>
+      </p:sp>
+      <p:sp>
+        <p:nvSpPr>
+          <p:cNvPr id="4" name="Text Placeholder 3">
+            <a:extLst>
+              <a:ext uri="{FF2B5EF4-FFF2-40B4-BE49-F238E27FC236}">
+                <a16:creationId xmlns:a16="http://schemas.microsoft.com/office/drawing/2014/main" id="{B8E02FD7-85A2-1C65-6DD4-35989B4DA5BE}"/>
+              </a:ext>
+            </a:extLst>
+          </p:cNvPr>
+          <p:cNvSpPr>
+            <a:spLocks noGrp="1"/>
+          </p:cNvSpPr>
+          <p:nvPr>
+            <p:ph type="body" sz="half" idx="2"/>
+          </p:nvPr>
+        </p:nvSpPr>
+        <p:spPr>
+          <a:xfrm>
+            <a:off x="6693408" y="3562738"/>
+            <a:ext cx="5330951" cy="2906642"/>
+          </a:xfrm>
+        </p:spPr>
+        <p:txBody>
+          <a:bodyPr>
+            <a:normAutofit fontScale="92500" lnSpcReduction="20000"/>
+          </a:bodyPr>
+          <a:lstStyle/>
+          <a:p>
+            <a:r>
+              <a:rPr lang="en-US" dirty="0">
+                <a:latin typeface="+mj-lt"/>
+              </a:rPr>
+              <a:t>Backend</a:t>
+            </a:r>
+          </a:p>
+          <a:p>
+            <a:r>
+              <a:rPr lang="en-US" dirty="0">
+                <a:latin typeface="+mj-lt"/>
+              </a:rPr>
+              <a:t>1. Socket.io ile Express </a:t>
+            </a:r>
+            <a:r>
+              <a:rPr lang="en-US" dirty="0" err="1">
+                <a:latin typeface="+mj-lt"/>
+              </a:rPr>
+              <a:t>sunucusu</a:t>
+            </a:r>
+            <a:endParaRPr lang="en-US" dirty="0">
+              <a:latin typeface="+mj-lt"/>
+            </a:endParaRPr>
+          </a:p>
+          <a:p>
+            <a:r>
+              <a:rPr lang="en-US" dirty="0">
+                <a:latin typeface="+mj-lt"/>
+              </a:rPr>
+              <a:t>2.Mesaj </a:t>
+            </a:r>
+            <a:r>
+              <a:rPr lang="en-US" dirty="0" err="1">
+                <a:latin typeface="+mj-lt"/>
+              </a:rPr>
+              <a:t>güvenliği</a:t>
+            </a:r>
+            <a:r>
+              <a:rPr lang="en-US" dirty="0">
+                <a:latin typeface="+mj-lt"/>
+              </a:rPr>
+              <a:t> </a:t>
+            </a:r>
+            <a:r>
+              <a:rPr lang="en-US" dirty="0" err="1">
+                <a:latin typeface="+mj-lt"/>
+              </a:rPr>
+              <a:t>için</a:t>
+            </a:r>
+            <a:r>
+              <a:rPr lang="en-US" dirty="0">
+                <a:latin typeface="+mj-lt"/>
+              </a:rPr>
+              <a:t> RSA </a:t>
+            </a:r>
+            <a:r>
+              <a:rPr lang="en-US" dirty="0" err="1">
+                <a:latin typeface="+mj-lt"/>
+              </a:rPr>
+              <a:t>şifrelemesi</a:t>
+            </a:r>
+            <a:r>
+              <a:rPr lang="en-US" dirty="0">
+                <a:latin typeface="+mj-lt"/>
+              </a:rPr>
+              <a:t>:</a:t>
+            </a:r>
+          </a:p>
+          <a:p>
+            <a:r>
+              <a:rPr lang="en-US" dirty="0">
+                <a:latin typeface="+mj-lt"/>
+              </a:rPr>
+              <a:t>	</a:t>
+            </a:r>
+            <a:r>
+              <a:rPr lang="en-US" dirty="0" err="1">
+                <a:latin typeface="+mj-lt"/>
+              </a:rPr>
+              <a:t>Mesaj</a:t>
+            </a:r>
+            <a:r>
+              <a:rPr lang="en-US" dirty="0">
+                <a:latin typeface="+mj-lt"/>
+              </a:rPr>
+              <a:t> </a:t>
+            </a:r>
+            <a:r>
+              <a:rPr lang="en-US" dirty="0" err="1">
+                <a:latin typeface="+mj-lt"/>
+              </a:rPr>
+              <a:t>şifrelemesi</a:t>
+            </a:r>
+            <a:r>
+              <a:rPr lang="en-US" dirty="0">
+                <a:latin typeface="+mj-lt"/>
+              </a:rPr>
+              <a:t> </a:t>
+            </a:r>
+            <a:r>
+              <a:rPr lang="en-US" dirty="0" err="1">
+                <a:latin typeface="+mj-lt"/>
+              </a:rPr>
+              <a:t>için</a:t>
+            </a:r>
+            <a:r>
+              <a:rPr lang="en-US" dirty="0">
+                <a:latin typeface="+mj-lt"/>
+              </a:rPr>
+              <a:t> </a:t>
+            </a:r>
+            <a:r>
+              <a:rPr lang="en-US" dirty="0" err="1">
+                <a:latin typeface="+mj-lt"/>
+              </a:rPr>
+              <a:t>genel</a:t>
+            </a:r>
+            <a:r>
+              <a:rPr lang="en-US" dirty="0">
+                <a:latin typeface="+mj-lt"/>
+              </a:rPr>
+              <a:t> </a:t>
+            </a:r>
+            <a:r>
+              <a:rPr lang="en-US" dirty="0" err="1">
+                <a:latin typeface="+mj-lt"/>
+              </a:rPr>
+              <a:t>anahtar</a:t>
+            </a:r>
+            <a:endParaRPr lang="en-US" dirty="0">
+              <a:latin typeface="+mj-lt"/>
+            </a:endParaRPr>
+          </a:p>
+          <a:p>
+            <a:r>
+              <a:rPr lang="en-US" dirty="0">
+                <a:latin typeface="+mj-lt"/>
+              </a:rPr>
+              <a:t>	</a:t>
+            </a:r>
+            <a:r>
+              <a:rPr lang="en-US" dirty="0" err="1">
+                <a:latin typeface="+mj-lt"/>
+              </a:rPr>
+              <a:t>Şifre</a:t>
+            </a:r>
+            <a:r>
+              <a:rPr lang="en-US" dirty="0">
+                <a:latin typeface="+mj-lt"/>
+              </a:rPr>
+              <a:t> </a:t>
+            </a:r>
+            <a:r>
+              <a:rPr lang="en-US" dirty="0" err="1">
+                <a:latin typeface="+mj-lt"/>
+              </a:rPr>
+              <a:t>çözme</a:t>
+            </a:r>
+            <a:r>
+              <a:rPr lang="en-US" dirty="0">
+                <a:latin typeface="+mj-lt"/>
+              </a:rPr>
+              <a:t> </a:t>
+            </a:r>
+            <a:r>
+              <a:rPr lang="en-US" dirty="0" err="1">
+                <a:latin typeface="+mj-lt"/>
+              </a:rPr>
+              <a:t>için</a:t>
+            </a:r>
+            <a:r>
+              <a:rPr lang="en-US" dirty="0">
+                <a:latin typeface="+mj-lt"/>
+              </a:rPr>
+              <a:t> </a:t>
+            </a:r>
+            <a:r>
+              <a:rPr lang="en-US" dirty="0" err="1">
+                <a:latin typeface="+mj-lt"/>
+              </a:rPr>
+              <a:t>özel</a:t>
+            </a:r>
+            <a:r>
+              <a:rPr lang="en-US" dirty="0">
+                <a:latin typeface="+mj-lt"/>
+              </a:rPr>
+              <a:t> </a:t>
+            </a:r>
+            <a:r>
+              <a:rPr lang="en-US" dirty="0" err="1">
+                <a:latin typeface="+mj-lt"/>
+              </a:rPr>
+              <a:t>anahtar</a:t>
+            </a:r>
+            <a:endParaRPr lang="en-US" dirty="0">
+              <a:latin typeface="+mj-lt"/>
+            </a:endParaRPr>
+          </a:p>
+          <a:p>
+            <a:r>
+              <a:rPr lang="en-US" dirty="0">
+                <a:latin typeface="+mj-lt"/>
+              </a:rPr>
+              <a:t>3.Oturum </a:t>
+            </a:r>
+            <a:r>
+              <a:rPr lang="en-US" dirty="0" err="1">
+                <a:latin typeface="+mj-lt"/>
+              </a:rPr>
+              <a:t>yönetimi</a:t>
+            </a:r>
+            <a:r>
+              <a:rPr lang="en-US" dirty="0">
+                <a:latin typeface="+mj-lt"/>
+              </a:rPr>
+              <a:t> </a:t>
+            </a:r>
+            <a:r>
+              <a:rPr lang="en-US" dirty="0" err="1">
+                <a:latin typeface="+mj-lt"/>
+              </a:rPr>
+              <a:t>için</a:t>
+            </a:r>
+            <a:r>
+              <a:rPr lang="en-US" dirty="0">
+                <a:latin typeface="+mj-lt"/>
+              </a:rPr>
+              <a:t> JWT</a:t>
+            </a:r>
+          </a:p>
+          <a:p>
+            <a:r>
+              <a:rPr lang="en-US" dirty="0">
+                <a:latin typeface="+mj-lt"/>
+              </a:rPr>
+              <a:t>4.Veri </a:t>
+            </a:r>
+            <a:r>
+              <a:rPr lang="en-US" dirty="0" err="1">
+                <a:latin typeface="+mj-lt"/>
+              </a:rPr>
+              <a:t>depolama</a:t>
+            </a:r>
+            <a:r>
+              <a:rPr lang="en-US" dirty="0">
+                <a:latin typeface="+mj-lt"/>
+              </a:rPr>
+              <a:t> </a:t>
+            </a:r>
+            <a:r>
+              <a:rPr lang="en-US" dirty="0" err="1">
+                <a:latin typeface="+mj-lt"/>
+              </a:rPr>
+              <a:t>için</a:t>
+            </a:r>
+            <a:r>
+              <a:rPr lang="en-US" dirty="0">
+                <a:latin typeface="+mj-lt"/>
+              </a:rPr>
+              <a:t> MongoDB</a:t>
+            </a:r>
+          </a:p>
+          <a:p>
+            <a:r>
+              <a:rPr lang="en-US" dirty="0">
+                <a:latin typeface="+mj-lt"/>
+              </a:rPr>
+              <a:t>5.Çevrimiçi durum </a:t>
+            </a:r>
+            <a:r>
+              <a:rPr lang="en-US" dirty="0" err="1">
+                <a:latin typeface="+mj-lt"/>
+              </a:rPr>
+              <a:t>takibi</a:t>
+            </a:r>
+            <a:r>
+              <a:rPr lang="en-US" dirty="0">
+                <a:latin typeface="+mj-lt"/>
+              </a:rPr>
+              <a:t> </a:t>
+            </a:r>
+            <a:r>
+              <a:rPr lang="en-US" dirty="0" err="1">
+                <a:latin typeface="+mj-lt"/>
+              </a:rPr>
+              <a:t>için</a:t>
+            </a:r>
+            <a:r>
+              <a:rPr lang="en-US" dirty="0">
+                <a:latin typeface="+mj-lt"/>
+              </a:rPr>
+              <a:t> </a:t>
+            </a:r>
+            <a:r>
+              <a:rPr lang="en-US" dirty="0" err="1">
+                <a:latin typeface="+mj-lt"/>
+              </a:rPr>
+              <a:t>soket</a:t>
+            </a:r>
+            <a:r>
+              <a:rPr lang="en-US" dirty="0">
+                <a:latin typeface="+mj-lt"/>
+              </a:rPr>
+              <a:t> </a:t>
+            </a:r>
+            <a:r>
+              <a:rPr lang="en-US" dirty="0" err="1">
+                <a:latin typeface="+mj-lt"/>
+              </a:rPr>
+              <a:t>olayları</a:t>
+            </a:r>
+            <a:endParaRPr lang="en-US" dirty="0">
+              <a:latin typeface="+mj-lt"/>
+            </a:endParaRPr>
+          </a:p>
+        </p:txBody>
+      </p:sp>
+    </p:spTree>
+    <p:extLst>
+      <p:ext uri="{BB962C8B-B14F-4D97-AF65-F5344CB8AC3E}">
+        <p14:creationId xmlns:p14="http://schemas.microsoft.com/office/powerpoint/2010/main" val="329700870"/>
+      </p:ext>
+    </p:extLst>
+  </p:cSld>
+  <p:clrMapOvr>
+    <a:masterClrMapping/>
+  </p:clrMapOvr>
+</p:sld>
+</file>
+
+<file path=ppt/slides/slide4.xml><?xml version="1.0" encoding="utf-8"?>
+<p:sld xmlns:a="http://schemas.openxmlformats.org/drawingml/2006/main" xmlns:r="http://schemas.openxmlformats.org/officeDocument/2006/relationships" xmlns:p="http://schemas.openxmlformats.org/presentationml/2006/main">
+  <p:cSld>
     <p:bg>
       <p:bgPr>
         <a:solidFill>
@@ -6489,7 +7482,7 @@
 </p:sld>
 </file>
 
-<file path=ppt/slides/slide4.xml><?xml version="1.0" encoding="utf-8"?>
+<file path=ppt/slides/slide5.xml><?xml version="1.0" encoding="utf-8"?>
 <p:sld xmlns:a="http://schemas.openxmlformats.org/drawingml/2006/main" xmlns:r="http://schemas.openxmlformats.org/officeDocument/2006/relationships" xmlns:p="http://schemas.openxmlformats.org/presentationml/2006/main">
   <p:cSld>
     <p:bg>
@@ -7044,7 +8037,7 @@
 </p:sld>
 </file>
 
-<file path=ppt/slides/slide5.xml><?xml version="1.0" encoding="utf-8"?>
+<file path=ppt/slides/slide6.xml><?xml version="1.0" encoding="utf-8"?>
 <p:sld xmlns:a="http://schemas.openxmlformats.org/drawingml/2006/main" xmlns:r="http://schemas.openxmlformats.org/officeDocument/2006/relationships" xmlns:p="http://schemas.openxmlformats.org/presentationml/2006/main">
   <p:cSld>
     <p:bg>
@@ -7605,7 +8598,7 @@
 </p:sld>
 </file>
 
-<file path=ppt/slides/slide6.xml><?xml version="1.0" encoding="utf-8"?>
+<file path=ppt/slides/slide7.xml><?xml version="1.0" encoding="utf-8"?>
 <p:sld xmlns:a="http://schemas.openxmlformats.org/drawingml/2006/main" xmlns:r="http://schemas.openxmlformats.org/officeDocument/2006/relationships" xmlns:p="http://schemas.openxmlformats.org/presentationml/2006/main">
   <p:cSld>
     <p:bg>
@@ -8166,140 +9159,6 @@
 </p:sld>
 </file>
 
-<file path=ppt/slides/slide7.xml><?xml version="1.0" encoding="utf-8"?>
-<p:sld xmlns:a="http://schemas.openxmlformats.org/drawingml/2006/main" xmlns:r="http://schemas.openxmlformats.org/officeDocument/2006/relationships" xmlns:p="http://schemas.openxmlformats.org/presentationml/2006/main">
-  <p:cSld>
-    <p:spTree>
-      <p:nvGrpSpPr>
-        <p:cNvPr id="1" name=""/>
-        <p:cNvGrpSpPr/>
-        <p:nvPr/>
-      </p:nvGrpSpPr>
-      <p:grpSpPr>
-        <a:xfrm>
-          <a:off x="0" y="0"/>
-          <a:ext cx="0" cy="0"/>
-          <a:chOff x="0" y="0"/>
-          <a:chExt cx="0" cy="0"/>
-        </a:xfrm>
-      </p:grpSpPr>
-      <p:sp>
-        <p:nvSpPr>
-          <p:cNvPr id="2" name="Title 1">
-            <a:extLst>
-              <a:ext uri="{FF2B5EF4-FFF2-40B4-BE49-F238E27FC236}">
-                <a16:creationId xmlns:a16="http://schemas.microsoft.com/office/drawing/2014/main" id="{841AB267-13C5-5FD4-DF2B-1109B27A17CE}"/>
-              </a:ext>
-            </a:extLst>
-          </p:cNvPr>
-          <p:cNvSpPr>
-            <a:spLocks noGrp="1"/>
-          </p:cNvSpPr>
-          <p:nvPr>
-            <p:ph type="title"/>
-          </p:nvPr>
-        </p:nvSpPr>
-        <p:spPr>
-          <a:xfrm>
-            <a:off x="1320802" y="61072"/>
-            <a:ext cx="9019822" cy="774305"/>
-          </a:xfrm>
-        </p:spPr>
-        <p:txBody>
-          <a:bodyPr/>
-          <a:lstStyle/>
-          <a:p>
-            <a:r>
-              <a:rPr lang="tr-TR" dirty="0"/>
-              <a:t>Özel ve Grup Mesajlaşma Arayüzü</a:t>
-            </a:r>
-            <a:endParaRPr lang="en-US" dirty="0"/>
-          </a:p>
-        </p:txBody>
-      </p:sp>
-      <p:pic>
-        <p:nvPicPr>
-          <p:cNvPr id="12" name="Content Placeholder 11" descr="A screenshot of a chat&#10;&#10;Description automatically generated">
-            <a:extLst>
-              <a:ext uri="{FF2B5EF4-FFF2-40B4-BE49-F238E27FC236}">
-                <a16:creationId xmlns:a16="http://schemas.microsoft.com/office/drawing/2014/main" id="{FAF6E7F2-01C3-C87A-6F7C-0C9BBD809CD0}"/>
-              </a:ext>
-            </a:extLst>
-          </p:cNvPr>
-          <p:cNvPicPr>
-            <a:picLocks noGrp="1" noChangeAspect="1"/>
-          </p:cNvPicPr>
-          <p:nvPr>
-            <p:ph sz="half" idx="2"/>
-          </p:nvPr>
-        </p:nvPicPr>
-        <p:blipFill>
-          <a:blip r:embed="rId2">
-            <a:extLst>
-              <a:ext uri="{28A0092B-C50C-407E-A947-70E740481C1C}">
-                <a14:useLocalDpi xmlns:a14="http://schemas.microsoft.com/office/drawing/2010/main" val="0"/>
-              </a:ext>
-            </a:extLst>
-          </a:blip>
-          <a:stretch>
-            <a:fillRect/>
-          </a:stretch>
-        </p:blipFill>
-        <p:spPr>
-          <a:xfrm>
-            <a:off x="6172203" y="948266"/>
-            <a:ext cx="5884330" cy="5848661"/>
-          </a:xfrm>
-        </p:spPr>
-      </p:pic>
-      <p:pic>
-        <p:nvPicPr>
-          <p:cNvPr id="10" name="Content Placeholder 9" descr="A screenshot of a chat&#10;&#10;Description automatically generated">
-            <a:extLst>
-              <a:ext uri="{FF2B5EF4-FFF2-40B4-BE49-F238E27FC236}">
-                <a16:creationId xmlns:a16="http://schemas.microsoft.com/office/drawing/2014/main" id="{915C1409-7811-D6C7-4094-4E35623317C3}"/>
-              </a:ext>
-            </a:extLst>
-          </p:cNvPr>
-          <p:cNvPicPr>
-            <a:picLocks noGrp="1" noChangeAspect="1"/>
-          </p:cNvPicPr>
-          <p:nvPr>
-            <p:ph sz="half" idx="1"/>
-          </p:nvPr>
-        </p:nvPicPr>
-        <p:blipFill>
-          <a:blip r:embed="rId3">
-            <a:extLst>
-              <a:ext uri="{28A0092B-C50C-407E-A947-70E740481C1C}">
-                <a14:useLocalDpi xmlns:a14="http://schemas.microsoft.com/office/drawing/2010/main" val="0"/>
-              </a:ext>
-            </a:extLst>
-          </a:blip>
-          <a:stretch>
-            <a:fillRect/>
-          </a:stretch>
-        </p:blipFill>
-        <p:spPr>
-          <a:xfrm>
-            <a:off x="135467" y="948266"/>
-            <a:ext cx="5884332" cy="5848661"/>
-          </a:xfrm>
-        </p:spPr>
-      </p:pic>
-    </p:spTree>
-    <p:extLst>
-      <p:ext uri="{BB962C8B-B14F-4D97-AF65-F5344CB8AC3E}">
-        <p14:creationId xmlns:p14="http://schemas.microsoft.com/office/powerpoint/2010/main" val="433653484"/>
-      </p:ext>
-    </p:extLst>
-  </p:cSld>
-  <p:clrMapOvr>
-    <a:masterClrMapping/>
-  </p:clrMapOvr>
-</p:sld>
-</file>
-
 <file path=ppt/slides/slide8.xml><?xml version="1.0" encoding="utf-8"?>
 <p:sld xmlns:a="http://schemas.openxmlformats.org/drawingml/2006/main" xmlns:r="http://schemas.openxmlformats.org/officeDocument/2006/relationships" xmlns:p="http://schemas.openxmlformats.org/presentationml/2006/main">
   <p:cSld>
@@ -8322,7 +9181,7 @@
           <p:cNvPr id="2" name="Title 1">
             <a:extLst>
               <a:ext uri="{FF2B5EF4-FFF2-40B4-BE49-F238E27FC236}">
-                <a16:creationId xmlns:a16="http://schemas.microsoft.com/office/drawing/2014/main" id="{D4405892-682F-E4EA-B5AE-D2BEE64DB866}"/>
+                <a16:creationId xmlns:a16="http://schemas.microsoft.com/office/drawing/2014/main" id="{841AB267-13C5-5FD4-DF2B-1109B27A17CE}"/>
               </a:ext>
             </a:extLst>
           </p:cNvPr>
@@ -8335,992 +9194,96 @@
         </p:nvSpPr>
         <p:spPr>
           <a:xfrm>
-            <a:off x="6693408" y="365759"/>
-            <a:ext cx="5330951" cy="3063241"/>
+            <a:off x="1320802" y="61072"/>
+            <a:ext cx="9019822" cy="774305"/>
           </a:xfrm>
         </p:spPr>
         <p:txBody>
-          <a:bodyPr>
-            <a:normAutofit/>
-          </a:bodyPr>
+          <a:bodyPr/>
           <a:lstStyle/>
           <a:p>
             <a:r>
-              <a:rPr lang="en-US" sz="1600" dirty="0"/>
-              <a:t>Frontend</a:t>
-            </a:r>
-            <a:br>
-              <a:rPr lang="en-US" sz="1600" dirty="0"/>
-            </a:br>
-            <a:br>
-              <a:rPr lang="en-US" sz="1600" dirty="0"/>
-            </a:br>
-            <a:r>
-              <a:rPr lang="en-US" sz="1600" dirty="0"/>
-              <a:t>1. UI </a:t>
-            </a:r>
-            <a:r>
-              <a:rPr lang="en-US" sz="1600" dirty="0" err="1"/>
-              <a:t>bileşenleri</a:t>
-            </a:r>
-            <a:r>
-              <a:rPr lang="en-US" sz="1600" dirty="0"/>
-              <a:t> </a:t>
-            </a:r>
-            <a:r>
-              <a:rPr lang="en-US" sz="1600" dirty="0" err="1"/>
-              <a:t>için</a:t>
-            </a:r>
-            <a:r>
-              <a:rPr lang="en-US" sz="1600" dirty="0"/>
-              <a:t> React/Vite/</a:t>
-            </a:r>
-            <a:r>
-              <a:rPr lang="en-US" sz="1600" dirty="0" err="1"/>
-              <a:t>TailSwindCSS</a:t>
-            </a:r>
-            <a:br>
-              <a:rPr lang="en-US" sz="1600" dirty="0"/>
-            </a:br>
-            <a:br>
-              <a:rPr lang="en-US" sz="1600" dirty="0"/>
-            </a:br>
-            <a:r>
-              <a:rPr lang="en-US" sz="1600" dirty="0"/>
-              <a:t>2.Giriş/</a:t>
-            </a:r>
-            <a:r>
-              <a:rPr lang="en-US" sz="1600" dirty="0" err="1"/>
-              <a:t>kayıt</a:t>
-            </a:r>
-            <a:r>
-              <a:rPr lang="en-US" sz="1600" dirty="0"/>
-              <a:t> </a:t>
-            </a:r>
-            <a:r>
-              <a:rPr lang="en-US" sz="1600" dirty="0" err="1"/>
-              <a:t>için</a:t>
-            </a:r>
-            <a:r>
-              <a:rPr lang="en-US" sz="1600" dirty="0"/>
-              <a:t> form </a:t>
-            </a:r>
-            <a:r>
-              <a:rPr lang="en-US" sz="1600" dirty="0" err="1"/>
-              <a:t>doğrulaması</a:t>
-            </a:r>
-            <a:br>
-              <a:rPr lang="en-US" sz="1600" dirty="0"/>
-            </a:br>
-            <a:br>
-              <a:rPr lang="en-US" sz="1600" dirty="0"/>
-            </a:br>
-            <a:r>
-              <a:rPr lang="en-US" sz="1600" dirty="0"/>
-              <a:t>3.Gerçek </a:t>
-            </a:r>
-            <a:r>
-              <a:rPr lang="en-US" sz="1600" dirty="0" err="1"/>
-              <a:t>zamanlı</a:t>
-            </a:r>
-            <a:r>
-              <a:rPr lang="en-US" sz="1600" dirty="0"/>
-              <a:t> durum </a:t>
-            </a:r>
-            <a:r>
-              <a:rPr lang="en-US" sz="1600" dirty="0" err="1"/>
-              <a:t>göstergeleri</a:t>
-            </a:r>
-            <a:r>
-              <a:rPr lang="en-US" sz="1600" dirty="0"/>
-              <a:t> (</a:t>
-            </a:r>
-            <a:r>
-              <a:rPr lang="en-US" sz="1600" dirty="0" err="1"/>
-              <a:t>çevrimiçi</a:t>
-            </a:r>
-            <a:r>
-              <a:rPr lang="en-US" sz="1600" dirty="0"/>
-              <a:t>/</a:t>
-            </a:r>
-            <a:r>
-              <a:rPr lang="en-US" sz="1600" dirty="0" err="1"/>
-              <a:t>çevrimdışı</a:t>
-            </a:r>
-            <a:r>
-              <a:rPr lang="en-US" sz="1600" dirty="0"/>
-              <a:t>)</a:t>
-            </a:r>
-            <a:br>
-              <a:rPr lang="en-US" sz="1600" dirty="0"/>
-            </a:br>
-            <a:br>
-              <a:rPr lang="en-US" sz="1600" dirty="0"/>
-            </a:br>
-            <a:r>
-              <a:rPr lang="en-US" sz="1600" dirty="0"/>
-              <a:t>4.Cloudinary </a:t>
-            </a:r>
-            <a:r>
-              <a:rPr lang="en-US" sz="1600" dirty="0" err="1"/>
-              <a:t>üzerinden</a:t>
-            </a:r>
-            <a:r>
-              <a:rPr lang="en-US" sz="1600" dirty="0"/>
-              <a:t> </a:t>
-            </a:r>
-            <a:r>
-              <a:rPr lang="en-US" sz="1600" dirty="0" err="1"/>
-              <a:t>resim</a:t>
-            </a:r>
-            <a:r>
-              <a:rPr lang="en-US" sz="1600" dirty="0"/>
-              <a:t> </a:t>
-            </a:r>
-            <a:r>
-              <a:rPr lang="en-US" sz="1600" dirty="0" err="1"/>
-              <a:t>yükleme</a:t>
-            </a:r>
-            <a:r>
-              <a:rPr lang="en-US" sz="1600" dirty="0"/>
-              <a:t>/</a:t>
-            </a:r>
-            <a:r>
-              <a:rPr lang="en-US" sz="1600" dirty="0" err="1"/>
-              <a:t>görüntüleme</a:t>
-            </a:r>
-            <a:br>
-              <a:rPr lang="en-US" sz="1600" dirty="0"/>
-            </a:br>
-            <a:br>
-              <a:rPr lang="en-US" sz="1600" dirty="0"/>
-            </a:br>
-            <a:r>
-              <a:rPr lang="en-US" sz="1600" dirty="0"/>
-              <a:t>5.Özel/</a:t>
-            </a:r>
-            <a:r>
-              <a:rPr lang="en-US" sz="1600" dirty="0" err="1"/>
-              <a:t>grup</a:t>
-            </a:r>
-            <a:r>
-              <a:rPr lang="en-US" sz="1600" dirty="0"/>
-              <a:t>/</a:t>
-            </a:r>
-            <a:r>
-              <a:rPr lang="en-US" sz="1600" dirty="0" err="1"/>
-              <a:t>yayın</a:t>
-            </a:r>
-            <a:r>
-              <a:rPr lang="en-US" sz="1600" dirty="0"/>
-              <a:t> </a:t>
-            </a:r>
-            <a:r>
-              <a:rPr lang="en-US" sz="1600" dirty="0" err="1"/>
-              <a:t>mesajları</a:t>
-            </a:r>
-            <a:r>
-              <a:rPr lang="en-US" sz="1600" dirty="0"/>
-              <a:t> </a:t>
-            </a:r>
-            <a:r>
-              <a:rPr lang="en-US" sz="1600" dirty="0" err="1"/>
-              <a:t>için</a:t>
-            </a:r>
-            <a:r>
-              <a:rPr lang="en-US" sz="1600" dirty="0"/>
-              <a:t> </a:t>
-            </a:r>
-            <a:r>
-              <a:rPr lang="en-US" sz="1600" dirty="0" err="1"/>
-              <a:t>sohbet</a:t>
-            </a:r>
-            <a:r>
-              <a:rPr lang="en-US" sz="1600" dirty="0"/>
-              <a:t> </a:t>
-            </a:r>
-            <a:r>
-              <a:rPr lang="en-US" sz="1600" dirty="0" err="1"/>
-              <a:t>arayüzü</a:t>
-            </a:r>
-            <a:endParaRPr lang="en-US" sz="1600" dirty="0"/>
-          </a:p>
-        </p:txBody>
-      </p:sp>
-      <p:sp>
-        <p:nvSpPr>
-          <p:cNvPr id="3" name="Picture Placeholder 2">
-            <a:extLst>
-              <a:ext uri="{FF2B5EF4-FFF2-40B4-BE49-F238E27FC236}">
-                <a16:creationId xmlns:a16="http://schemas.microsoft.com/office/drawing/2014/main" id="{740FC663-3BE8-5F37-BD02-E5B13383E5A4}"/>
-              </a:ext>
-            </a:extLst>
-          </p:cNvPr>
-          <p:cNvSpPr>
-            <a:spLocks noGrp="1"/>
-          </p:cNvSpPr>
-          <p:nvPr>
-            <p:ph type="pic" idx="1"/>
-          </p:nvPr>
-        </p:nvSpPr>
+              <a:rPr lang="tr-TR" dirty="0"/>
+              <a:t>Özel ve Grup Mesajlaşma Arayüzü</a:t>
+            </a:r>
+            <a:endParaRPr lang="en-US" dirty="0"/>
+          </a:p>
+        </p:txBody>
+      </p:sp>
+      <p:pic>
+        <p:nvPicPr>
+          <p:cNvPr id="12" name="Content Placeholder 11" descr="A screenshot of a chat&#10;&#10;Description automatically generated">
+            <a:extLst>
+              <a:ext uri="{FF2B5EF4-FFF2-40B4-BE49-F238E27FC236}">
+                <a16:creationId xmlns:a16="http://schemas.microsoft.com/office/drawing/2014/main" id="{FAF6E7F2-01C3-C87A-6F7C-0C9BBD809CD0}"/>
+              </a:ext>
+            </a:extLst>
+          </p:cNvPr>
+          <p:cNvPicPr>
+            <a:picLocks noGrp="1" noChangeAspect="1"/>
+          </p:cNvPicPr>
+          <p:nvPr>
+            <p:ph sz="half" idx="2"/>
+          </p:nvPr>
+        </p:nvPicPr>
+        <p:blipFill>
+          <a:blip r:embed="rId2">
+            <a:extLst>
+              <a:ext uri="{28A0092B-C50C-407E-A947-70E740481C1C}">
+                <a14:useLocalDpi xmlns:a14="http://schemas.microsoft.com/office/drawing/2010/main" val="0"/>
+              </a:ext>
+            </a:extLst>
+          </a:blip>
+          <a:stretch>
+            <a:fillRect/>
+          </a:stretch>
+        </p:blipFill>
         <p:spPr>
           <a:xfrm>
-            <a:off x="264878" y="365759"/>
-            <a:ext cx="5941611" cy="6103621"/>
+            <a:off x="6172203" y="948266"/>
+            <a:ext cx="5884330" cy="5848661"/>
           </a:xfrm>
         </p:spPr>
-        <p:txBody>
-          <a:bodyPr>
-            <a:normAutofit lnSpcReduction="10000"/>
-          </a:bodyPr>
-          <a:lstStyle/>
-          <a:p>
-            <a:r>
-              <a:rPr lang="en-US" sz="4400" dirty="0" err="1"/>
-              <a:t>Proje</a:t>
-            </a:r>
-            <a:r>
-              <a:rPr lang="en-US" sz="4400" dirty="0"/>
-              <a:t> </a:t>
-            </a:r>
-            <a:r>
-              <a:rPr lang="tr-TR" sz="4400" dirty="0"/>
-              <a:t>Özeti</a:t>
-            </a:r>
-          </a:p>
-          <a:p>
-            <a:r>
-              <a:rPr lang="en-US" sz="2600" dirty="0"/>
-              <a:t>Bu </a:t>
-            </a:r>
-            <a:r>
-              <a:rPr lang="en-US" sz="2600" dirty="0" err="1"/>
-              <a:t>sohbet</a:t>
-            </a:r>
-            <a:r>
-              <a:rPr lang="en-US" sz="2600" dirty="0"/>
-              <a:t> </a:t>
-            </a:r>
-            <a:r>
-              <a:rPr lang="en-US" sz="2600" dirty="0" err="1"/>
-              <a:t>uygulaması</a:t>
-            </a:r>
-            <a:r>
-              <a:rPr lang="en-US" sz="2600" dirty="0"/>
-              <a:t>, </a:t>
-            </a:r>
-            <a:r>
-              <a:rPr lang="en-US" sz="2600" dirty="0" err="1"/>
-              <a:t>Cloudinary</a:t>
-            </a:r>
-            <a:r>
-              <a:rPr lang="en-US" sz="2600" dirty="0"/>
-              <a:t> </a:t>
-            </a:r>
-            <a:r>
-              <a:rPr lang="en-US" sz="2600" dirty="0" err="1"/>
-              <a:t>aracılığıyla</a:t>
-            </a:r>
-            <a:r>
-              <a:rPr lang="en-US" sz="2600" dirty="0"/>
-              <a:t> </a:t>
-            </a:r>
-            <a:r>
-              <a:rPr lang="en-US" sz="2600" dirty="0" err="1"/>
-              <a:t>kullanıcı</a:t>
-            </a:r>
-            <a:r>
-              <a:rPr lang="en-US" sz="2600" dirty="0"/>
-              <a:t> </a:t>
-            </a:r>
-            <a:r>
-              <a:rPr lang="en-US" sz="2600" dirty="0" err="1"/>
-              <a:t>etkileşimi</a:t>
-            </a:r>
-            <a:r>
-              <a:rPr lang="en-US" sz="2600" dirty="0"/>
-              <a:t> </a:t>
-            </a:r>
-            <a:r>
-              <a:rPr lang="en-US" sz="2600" dirty="0" err="1"/>
-              <a:t>ve</a:t>
-            </a:r>
-            <a:r>
-              <a:rPr lang="en-US" sz="2600" dirty="0"/>
-              <a:t> </a:t>
-            </a:r>
-            <a:r>
-              <a:rPr lang="en-US" sz="2600" dirty="0" err="1"/>
-              <a:t>medya</a:t>
-            </a:r>
-            <a:r>
-              <a:rPr lang="en-US" sz="2600" dirty="0"/>
-              <a:t> </a:t>
-            </a:r>
-            <a:r>
-              <a:rPr lang="en-US" sz="2600" dirty="0" err="1"/>
-              <a:t>işleme</a:t>
-            </a:r>
-            <a:r>
-              <a:rPr lang="en-US" sz="2600" dirty="0"/>
-              <a:t> </a:t>
-            </a:r>
-            <a:r>
-              <a:rPr lang="en-US" sz="2600" dirty="0" err="1"/>
-              <a:t>için</a:t>
-            </a:r>
-            <a:r>
-              <a:rPr lang="en-US" sz="2600" dirty="0"/>
-              <a:t> React/Vue </a:t>
-            </a:r>
-            <a:r>
-              <a:rPr lang="en-US" sz="2600" dirty="0" err="1"/>
-              <a:t>ön</a:t>
-            </a:r>
-            <a:r>
-              <a:rPr lang="en-US" sz="2600" dirty="0"/>
-              <a:t> </a:t>
-            </a:r>
-            <a:r>
-              <a:rPr lang="en-US" sz="2600" dirty="0" err="1"/>
-              <a:t>ucuna</a:t>
-            </a:r>
-            <a:r>
-              <a:rPr lang="en-US" sz="2600" dirty="0"/>
-              <a:t> </a:t>
-            </a:r>
-            <a:r>
-              <a:rPr lang="en-US" sz="2600" dirty="0" err="1"/>
-              <a:t>sahipken</a:t>
-            </a:r>
-            <a:r>
-              <a:rPr lang="en-US" sz="2600" dirty="0"/>
-              <a:t>, Express </a:t>
-            </a:r>
-            <a:r>
-              <a:rPr lang="en-US" sz="2600" dirty="0" err="1"/>
-              <a:t>arka</a:t>
-            </a:r>
-            <a:r>
-              <a:rPr lang="en-US" sz="2600" dirty="0"/>
-              <a:t> </a:t>
-            </a:r>
-            <a:r>
-              <a:rPr lang="en-US" sz="2600" dirty="0" err="1"/>
-              <a:t>ucu</a:t>
-            </a:r>
-            <a:r>
-              <a:rPr lang="en-US" sz="2600" dirty="0"/>
-              <a:t> Socket.io </a:t>
-            </a:r>
-            <a:r>
-              <a:rPr lang="en-US" sz="2600" dirty="0" err="1"/>
-              <a:t>aracılığıyla</a:t>
-            </a:r>
-            <a:r>
-              <a:rPr lang="en-US" sz="2600" dirty="0"/>
-              <a:t> </a:t>
-            </a:r>
-            <a:r>
-              <a:rPr lang="en-US" sz="2600" dirty="0" err="1"/>
-              <a:t>gerçek</a:t>
-            </a:r>
-            <a:r>
-              <a:rPr lang="en-US" sz="2600" dirty="0"/>
-              <a:t> </a:t>
-            </a:r>
-            <a:r>
-              <a:rPr lang="en-US" sz="2600" dirty="0" err="1"/>
-              <a:t>zamanlı</a:t>
-            </a:r>
-            <a:r>
-              <a:rPr lang="en-US" sz="2600" dirty="0"/>
-              <a:t> </a:t>
-            </a:r>
-            <a:r>
-              <a:rPr lang="en-US" sz="2600" dirty="0" err="1"/>
-              <a:t>iletişimi</a:t>
-            </a:r>
-            <a:r>
-              <a:rPr lang="en-US" sz="2600" dirty="0"/>
-              <a:t> </a:t>
-            </a:r>
-            <a:r>
-              <a:rPr lang="en-US" sz="2600" dirty="0" err="1"/>
-              <a:t>yönetir</a:t>
-            </a:r>
-            <a:r>
-              <a:rPr lang="en-US" sz="2600" dirty="0"/>
-              <a:t>. </a:t>
-            </a:r>
-            <a:r>
-              <a:rPr lang="en-US" sz="2600" dirty="0" err="1"/>
-              <a:t>Güvenlik</a:t>
-            </a:r>
-            <a:r>
-              <a:rPr lang="en-US" sz="2600" dirty="0"/>
-              <a:t>, </a:t>
-            </a:r>
-            <a:r>
-              <a:rPr lang="en-US" sz="2600" dirty="0" err="1"/>
-              <a:t>mesajlar</a:t>
-            </a:r>
-            <a:r>
-              <a:rPr lang="en-US" sz="2600" dirty="0"/>
-              <a:t> </a:t>
-            </a:r>
-            <a:r>
-              <a:rPr lang="en-US" sz="2600" dirty="0" err="1"/>
-              <a:t>için</a:t>
-            </a:r>
-            <a:r>
-              <a:rPr lang="en-US" sz="2600" dirty="0"/>
-              <a:t> RSA </a:t>
-            </a:r>
-            <a:r>
-              <a:rPr lang="en-US" sz="2600" dirty="0" err="1"/>
-              <a:t>şifrelemesi</a:t>
-            </a:r>
-            <a:r>
-              <a:rPr lang="en-US" sz="2600" dirty="0"/>
-              <a:t>, </a:t>
-            </a:r>
-            <a:r>
-              <a:rPr lang="en-US" sz="2600" dirty="0" err="1"/>
-              <a:t>kimlik</a:t>
-            </a:r>
-            <a:r>
-              <a:rPr lang="en-US" sz="2600" dirty="0"/>
-              <a:t> </a:t>
-            </a:r>
-            <a:r>
-              <a:rPr lang="en-US" sz="2600" dirty="0" err="1"/>
-              <a:t>doğrulama</a:t>
-            </a:r>
-            <a:r>
-              <a:rPr lang="en-US" sz="2600" dirty="0"/>
-              <a:t> </a:t>
-            </a:r>
-            <a:r>
-              <a:rPr lang="en-US" sz="2600" dirty="0" err="1"/>
-              <a:t>için</a:t>
-            </a:r>
-            <a:r>
-              <a:rPr lang="en-US" sz="2600" dirty="0"/>
-              <a:t> JWT </a:t>
-            </a:r>
-            <a:r>
-              <a:rPr lang="en-US" sz="2600" dirty="0" err="1"/>
-              <a:t>ve</a:t>
-            </a:r>
-            <a:r>
-              <a:rPr lang="en-US" sz="2600" dirty="0"/>
-              <a:t> </a:t>
-            </a:r>
-            <a:r>
-              <a:rPr lang="en-US" sz="2600" dirty="0" err="1"/>
-              <a:t>güvenli</a:t>
-            </a:r>
-            <a:r>
-              <a:rPr lang="en-US" sz="2600" dirty="0"/>
-              <a:t> </a:t>
-            </a:r>
-            <a:r>
-              <a:rPr lang="en-US" sz="2600" dirty="0" err="1"/>
-              <a:t>veritabanı</a:t>
-            </a:r>
-            <a:r>
-              <a:rPr lang="en-US" sz="2600" dirty="0"/>
-              <a:t> </a:t>
-            </a:r>
-            <a:r>
-              <a:rPr lang="en-US" sz="2600" dirty="0" err="1"/>
-              <a:t>depolaması</a:t>
-            </a:r>
-            <a:r>
-              <a:rPr lang="en-US" sz="2600" dirty="0"/>
-              <a:t> ile </a:t>
-            </a:r>
-            <a:r>
-              <a:rPr lang="en-US" sz="2600" dirty="0" err="1"/>
-              <a:t>sağlanır</a:t>
-            </a:r>
-            <a:r>
-              <a:rPr lang="en-US" sz="2600" dirty="0"/>
-              <a:t> </a:t>
-            </a:r>
-            <a:r>
-              <a:rPr lang="en-US" sz="2600" dirty="0" err="1"/>
-              <a:t>ve</a:t>
-            </a:r>
-            <a:r>
-              <a:rPr lang="en-US" sz="2600" dirty="0"/>
-              <a:t> </a:t>
-            </a:r>
-            <a:r>
-              <a:rPr lang="en-US" sz="2600" dirty="0" err="1"/>
-              <a:t>kullanıcıların</a:t>
-            </a:r>
-            <a:r>
-              <a:rPr lang="en-US" sz="2600" dirty="0"/>
-              <a:t> </a:t>
-            </a:r>
-            <a:r>
-              <a:rPr lang="en-US" sz="2600" dirty="0" err="1"/>
-              <a:t>çevrimiçi</a:t>
-            </a:r>
-            <a:r>
-              <a:rPr lang="en-US" sz="2600" dirty="0"/>
-              <a:t> durum </a:t>
-            </a:r>
-            <a:r>
-              <a:rPr lang="en-US" sz="2600" dirty="0" err="1"/>
-              <a:t>ve</a:t>
-            </a:r>
-            <a:r>
-              <a:rPr lang="en-US" sz="2600" dirty="0"/>
-              <a:t> </a:t>
-            </a:r>
-            <a:r>
-              <a:rPr lang="en-US" sz="2600" dirty="0" err="1"/>
-              <a:t>dosya</a:t>
-            </a:r>
-            <a:r>
-              <a:rPr lang="en-US" sz="2600" dirty="0"/>
-              <a:t> </a:t>
-            </a:r>
-            <a:r>
-              <a:rPr lang="en-US" sz="2600" dirty="0" err="1"/>
-              <a:t>paylaşımı</a:t>
-            </a:r>
-            <a:r>
-              <a:rPr lang="en-US" sz="2600" dirty="0"/>
-              <a:t> </a:t>
-            </a:r>
-            <a:r>
-              <a:rPr lang="en-US" sz="2600" dirty="0" err="1"/>
-              <a:t>gibi</a:t>
-            </a:r>
-            <a:r>
-              <a:rPr lang="en-US" sz="2600" dirty="0"/>
-              <a:t> </a:t>
-            </a:r>
-            <a:r>
-              <a:rPr lang="en-US" sz="2600" dirty="0" err="1"/>
-              <a:t>özelliklerle</a:t>
-            </a:r>
-            <a:r>
-              <a:rPr lang="en-US" sz="2600" dirty="0"/>
-              <a:t> </a:t>
-            </a:r>
-            <a:r>
-              <a:rPr lang="en-US" sz="2600" dirty="0" err="1"/>
-              <a:t>özel</a:t>
-            </a:r>
-            <a:r>
-              <a:rPr lang="en-US" sz="2600" dirty="0"/>
-              <a:t>, </a:t>
-            </a:r>
-            <a:r>
-              <a:rPr lang="en-US" sz="2600" dirty="0" err="1"/>
-              <a:t>grup</a:t>
-            </a:r>
-            <a:r>
-              <a:rPr lang="en-US" sz="2600" dirty="0"/>
-              <a:t> </a:t>
-            </a:r>
-            <a:r>
-              <a:rPr lang="en-US" sz="2600" dirty="0" err="1"/>
-              <a:t>ve</a:t>
-            </a:r>
-            <a:r>
-              <a:rPr lang="en-US" sz="2600" dirty="0"/>
-              <a:t> </a:t>
-            </a:r>
-            <a:r>
-              <a:rPr lang="en-US" sz="2600" dirty="0" err="1"/>
-              <a:t>yayın</a:t>
-            </a:r>
-            <a:r>
-              <a:rPr lang="en-US" sz="2600" dirty="0"/>
-              <a:t> </a:t>
-            </a:r>
-            <a:r>
-              <a:rPr lang="en-US" sz="2600" dirty="0" err="1"/>
-              <a:t>mesajlaşmasına</a:t>
-            </a:r>
-            <a:r>
-              <a:rPr lang="en-US" sz="2600" dirty="0"/>
-              <a:t> </a:t>
-            </a:r>
-            <a:r>
-              <a:rPr lang="en-US" sz="2600" dirty="0" err="1"/>
-              <a:t>katılmalarını</a:t>
-            </a:r>
-            <a:r>
-              <a:rPr lang="en-US" sz="2600" dirty="0"/>
-              <a:t> </a:t>
-            </a:r>
-            <a:r>
-              <a:rPr lang="en-US" sz="2600" dirty="0" err="1"/>
-              <a:t>sağlar</a:t>
-            </a:r>
-            <a:r>
-              <a:rPr lang="en-US" sz="2600" dirty="0"/>
-              <a:t>.</a:t>
-            </a:r>
-          </a:p>
-        </p:txBody>
-      </p:sp>
-      <p:sp>
-        <p:nvSpPr>
-          <p:cNvPr id="4" name="Text Placeholder 3">
-            <a:extLst>
-              <a:ext uri="{FF2B5EF4-FFF2-40B4-BE49-F238E27FC236}">
-                <a16:creationId xmlns:a16="http://schemas.microsoft.com/office/drawing/2014/main" id="{B8E02FD7-85A2-1C65-6DD4-35989B4DA5BE}"/>
-              </a:ext>
-            </a:extLst>
-          </p:cNvPr>
-          <p:cNvSpPr>
-            <a:spLocks noGrp="1"/>
-          </p:cNvSpPr>
-          <p:nvPr>
-            <p:ph type="body" sz="half" idx="2"/>
-          </p:nvPr>
-        </p:nvSpPr>
+      </p:pic>
+      <p:pic>
+        <p:nvPicPr>
+          <p:cNvPr id="10" name="Content Placeholder 9" descr="A screenshot of a chat&#10;&#10;Description automatically generated">
+            <a:extLst>
+              <a:ext uri="{FF2B5EF4-FFF2-40B4-BE49-F238E27FC236}">
+                <a16:creationId xmlns:a16="http://schemas.microsoft.com/office/drawing/2014/main" id="{915C1409-7811-D6C7-4094-4E35623317C3}"/>
+              </a:ext>
+            </a:extLst>
+          </p:cNvPr>
+          <p:cNvPicPr>
+            <a:picLocks noGrp="1" noChangeAspect="1"/>
+          </p:cNvPicPr>
+          <p:nvPr>
+            <p:ph sz="half" idx="1"/>
+          </p:nvPr>
+        </p:nvPicPr>
+        <p:blipFill>
+          <a:blip r:embed="rId3">
+            <a:extLst>
+              <a:ext uri="{28A0092B-C50C-407E-A947-70E740481C1C}">
+                <a14:useLocalDpi xmlns:a14="http://schemas.microsoft.com/office/drawing/2010/main" val="0"/>
+              </a:ext>
+            </a:extLst>
+          </a:blip>
+          <a:stretch>
+            <a:fillRect/>
+          </a:stretch>
+        </p:blipFill>
         <p:spPr>
           <a:xfrm>
-            <a:off x="6693408" y="3562738"/>
-            <a:ext cx="5330951" cy="2906642"/>
+            <a:off x="135467" y="948266"/>
+            <a:ext cx="5884332" cy="5848661"/>
           </a:xfrm>
         </p:spPr>
-        <p:txBody>
-          <a:bodyPr>
-            <a:normAutofit fontScale="92500" lnSpcReduction="20000"/>
-          </a:bodyPr>
-          <a:lstStyle/>
-          <a:p>
-            <a:r>
-              <a:rPr lang="en-US" dirty="0">
-                <a:latin typeface="+mj-lt"/>
-              </a:rPr>
-              <a:t>Backend</a:t>
-            </a:r>
-          </a:p>
-          <a:p>
-            <a:r>
-              <a:rPr lang="en-US" dirty="0">
-                <a:latin typeface="+mj-lt"/>
-              </a:rPr>
-              <a:t>1. Socket.io ile Express </a:t>
-            </a:r>
-            <a:r>
-              <a:rPr lang="en-US" dirty="0" err="1">
-                <a:latin typeface="+mj-lt"/>
-              </a:rPr>
-              <a:t>sunucusu</a:t>
-            </a:r>
-            <a:endParaRPr lang="en-US" dirty="0">
-              <a:latin typeface="+mj-lt"/>
-            </a:endParaRPr>
-          </a:p>
-          <a:p>
-            <a:r>
-              <a:rPr lang="en-US" dirty="0">
-                <a:latin typeface="+mj-lt"/>
-              </a:rPr>
-              <a:t>2.Mesaj </a:t>
-            </a:r>
-            <a:r>
-              <a:rPr lang="en-US" dirty="0" err="1">
-                <a:latin typeface="+mj-lt"/>
-              </a:rPr>
-              <a:t>güvenliği</a:t>
-            </a:r>
-            <a:r>
-              <a:rPr lang="en-US" dirty="0">
-                <a:latin typeface="+mj-lt"/>
-              </a:rPr>
-              <a:t> </a:t>
-            </a:r>
-            <a:r>
-              <a:rPr lang="en-US" dirty="0" err="1">
-                <a:latin typeface="+mj-lt"/>
-              </a:rPr>
-              <a:t>için</a:t>
-            </a:r>
-            <a:r>
-              <a:rPr lang="en-US" dirty="0">
-                <a:latin typeface="+mj-lt"/>
-              </a:rPr>
-              <a:t> RSA </a:t>
-            </a:r>
-            <a:r>
-              <a:rPr lang="en-US" dirty="0" err="1">
-                <a:latin typeface="+mj-lt"/>
-              </a:rPr>
-              <a:t>şifrelemesi</a:t>
-            </a:r>
-            <a:r>
-              <a:rPr lang="en-US" dirty="0">
-                <a:latin typeface="+mj-lt"/>
-              </a:rPr>
-              <a:t>:</a:t>
-            </a:r>
-          </a:p>
-          <a:p>
-            <a:r>
-              <a:rPr lang="en-US" dirty="0">
-                <a:latin typeface="+mj-lt"/>
-              </a:rPr>
-              <a:t>	</a:t>
-            </a:r>
-            <a:r>
-              <a:rPr lang="en-US" dirty="0" err="1">
-                <a:latin typeface="+mj-lt"/>
-              </a:rPr>
-              <a:t>Mesaj</a:t>
-            </a:r>
-            <a:r>
-              <a:rPr lang="en-US" dirty="0">
-                <a:latin typeface="+mj-lt"/>
-              </a:rPr>
-              <a:t> </a:t>
-            </a:r>
-            <a:r>
-              <a:rPr lang="en-US" dirty="0" err="1">
-                <a:latin typeface="+mj-lt"/>
-              </a:rPr>
-              <a:t>şifrelemesi</a:t>
-            </a:r>
-            <a:r>
-              <a:rPr lang="en-US" dirty="0">
-                <a:latin typeface="+mj-lt"/>
-              </a:rPr>
-              <a:t> </a:t>
-            </a:r>
-            <a:r>
-              <a:rPr lang="en-US" dirty="0" err="1">
-                <a:latin typeface="+mj-lt"/>
-              </a:rPr>
-              <a:t>için</a:t>
-            </a:r>
-            <a:r>
-              <a:rPr lang="en-US" dirty="0">
-                <a:latin typeface="+mj-lt"/>
-              </a:rPr>
-              <a:t> </a:t>
-            </a:r>
-            <a:r>
-              <a:rPr lang="en-US" dirty="0" err="1">
-                <a:latin typeface="+mj-lt"/>
-              </a:rPr>
-              <a:t>genel</a:t>
-            </a:r>
-            <a:r>
-              <a:rPr lang="en-US" dirty="0">
-                <a:latin typeface="+mj-lt"/>
-              </a:rPr>
-              <a:t> </a:t>
-            </a:r>
-            <a:r>
-              <a:rPr lang="en-US" dirty="0" err="1">
-                <a:latin typeface="+mj-lt"/>
-              </a:rPr>
-              <a:t>anahtar</a:t>
-            </a:r>
-            <a:endParaRPr lang="en-US" dirty="0">
-              <a:latin typeface="+mj-lt"/>
-            </a:endParaRPr>
-          </a:p>
-          <a:p>
-            <a:r>
-              <a:rPr lang="en-US" dirty="0">
-                <a:latin typeface="+mj-lt"/>
-              </a:rPr>
-              <a:t>	</a:t>
-            </a:r>
-            <a:r>
-              <a:rPr lang="en-US" dirty="0" err="1">
-                <a:latin typeface="+mj-lt"/>
-              </a:rPr>
-              <a:t>Şifre</a:t>
-            </a:r>
-            <a:r>
-              <a:rPr lang="en-US" dirty="0">
-                <a:latin typeface="+mj-lt"/>
-              </a:rPr>
-              <a:t> </a:t>
-            </a:r>
-            <a:r>
-              <a:rPr lang="en-US" dirty="0" err="1">
-                <a:latin typeface="+mj-lt"/>
-              </a:rPr>
-              <a:t>çözme</a:t>
-            </a:r>
-            <a:r>
-              <a:rPr lang="en-US" dirty="0">
-                <a:latin typeface="+mj-lt"/>
-              </a:rPr>
-              <a:t> </a:t>
-            </a:r>
-            <a:r>
-              <a:rPr lang="en-US" dirty="0" err="1">
-                <a:latin typeface="+mj-lt"/>
-              </a:rPr>
-              <a:t>için</a:t>
-            </a:r>
-            <a:r>
-              <a:rPr lang="en-US" dirty="0">
-                <a:latin typeface="+mj-lt"/>
-              </a:rPr>
-              <a:t> </a:t>
-            </a:r>
-            <a:r>
-              <a:rPr lang="en-US" dirty="0" err="1">
-                <a:latin typeface="+mj-lt"/>
-              </a:rPr>
-              <a:t>özel</a:t>
-            </a:r>
-            <a:r>
-              <a:rPr lang="en-US" dirty="0">
-                <a:latin typeface="+mj-lt"/>
-              </a:rPr>
-              <a:t> </a:t>
-            </a:r>
-            <a:r>
-              <a:rPr lang="en-US" dirty="0" err="1">
-                <a:latin typeface="+mj-lt"/>
-              </a:rPr>
-              <a:t>anahtar</a:t>
-            </a:r>
-            <a:endParaRPr lang="en-US" dirty="0">
-              <a:latin typeface="+mj-lt"/>
-            </a:endParaRPr>
-          </a:p>
-          <a:p>
-            <a:r>
-              <a:rPr lang="en-US" dirty="0">
-                <a:latin typeface="+mj-lt"/>
-              </a:rPr>
-              <a:t>3.Oturum </a:t>
-            </a:r>
-            <a:r>
-              <a:rPr lang="en-US" dirty="0" err="1">
-                <a:latin typeface="+mj-lt"/>
-              </a:rPr>
-              <a:t>yönetimi</a:t>
-            </a:r>
-            <a:r>
-              <a:rPr lang="en-US" dirty="0">
-                <a:latin typeface="+mj-lt"/>
-              </a:rPr>
-              <a:t> </a:t>
-            </a:r>
-            <a:r>
-              <a:rPr lang="en-US" dirty="0" err="1">
-                <a:latin typeface="+mj-lt"/>
-              </a:rPr>
-              <a:t>için</a:t>
-            </a:r>
-            <a:r>
-              <a:rPr lang="en-US" dirty="0">
-                <a:latin typeface="+mj-lt"/>
-              </a:rPr>
-              <a:t> JWT</a:t>
-            </a:r>
-          </a:p>
-          <a:p>
-            <a:r>
-              <a:rPr lang="en-US" dirty="0">
-                <a:latin typeface="+mj-lt"/>
-              </a:rPr>
-              <a:t>4.Veri </a:t>
-            </a:r>
-            <a:r>
-              <a:rPr lang="en-US" dirty="0" err="1">
-                <a:latin typeface="+mj-lt"/>
-              </a:rPr>
-              <a:t>depolama</a:t>
-            </a:r>
-            <a:r>
-              <a:rPr lang="en-US" dirty="0">
-                <a:latin typeface="+mj-lt"/>
-              </a:rPr>
-              <a:t> </a:t>
-            </a:r>
-            <a:r>
-              <a:rPr lang="en-US" dirty="0" err="1">
-                <a:latin typeface="+mj-lt"/>
-              </a:rPr>
-              <a:t>için</a:t>
-            </a:r>
-            <a:r>
-              <a:rPr lang="en-US" dirty="0">
-                <a:latin typeface="+mj-lt"/>
-              </a:rPr>
-              <a:t> MongoDB</a:t>
-            </a:r>
-          </a:p>
-          <a:p>
-            <a:r>
-              <a:rPr lang="en-US" dirty="0">
-                <a:latin typeface="+mj-lt"/>
-              </a:rPr>
-              <a:t>5.Çevrimiçi durum </a:t>
-            </a:r>
-            <a:r>
-              <a:rPr lang="en-US" dirty="0" err="1">
-                <a:latin typeface="+mj-lt"/>
-              </a:rPr>
-              <a:t>takibi</a:t>
-            </a:r>
-            <a:r>
-              <a:rPr lang="en-US" dirty="0">
-                <a:latin typeface="+mj-lt"/>
-              </a:rPr>
-              <a:t> </a:t>
-            </a:r>
-            <a:r>
-              <a:rPr lang="en-US" dirty="0" err="1">
-                <a:latin typeface="+mj-lt"/>
-              </a:rPr>
-              <a:t>için</a:t>
-            </a:r>
-            <a:r>
-              <a:rPr lang="en-US" dirty="0">
-                <a:latin typeface="+mj-lt"/>
-              </a:rPr>
-              <a:t> </a:t>
-            </a:r>
-            <a:r>
-              <a:rPr lang="en-US" dirty="0" err="1">
-                <a:latin typeface="+mj-lt"/>
-              </a:rPr>
-              <a:t>soket</a:t>
-            </a:r>
-            <a:r>
-              <a:rPr lang="en-US" dirty="0">
-                <a:latin typeface="+mj-lt"/>
-              </a:rPr>
-              <a:t> </a:t>
-            </a:r>
-            <a:r>
-              <a:rPr lang="en-US" dirty="0" err="1">
-                <a:latin typeface="+mj-lt"/>
-              </a:rPr>
-              <a:t>olayları</a:t>
-            </a:r>
-            <a:endParaRPr lang="en-US" dirty="0">
-              <a:latin typeface="+mj-lt"/>
-            </a:endParaRPr>
-          </a:p>
-        </p:txBody>
-      </p:sp>
+      </p:pic>
     </p:spTree>
     <p:extLst>
       <p:ext uri="{BB962C8B-B14F-4D97-AF65-F5344CB8AC3E}">
-        <p14:creationId xmlns:p14="http://schemas.microsoft.com/office/powerpoint/2010/main" val="329700870"/>
+        <p14:creationId xmlns:p14="http://schemas.microsoft.com/office/powerpoint/2010/main" val="433653484"/>
       </p:ext>
     </p:extLst>
   </p:cSld>
